--- a/assignments/ext1.pptx
+++ b/assignments/ext1.pptx
@@ -200,7 +200,7 @@
           <a:p>
             <a:fld id="{58AD5A61-D649-3C4F-A271-4682352C5644}" type="datetimeFigureOut">
               <a:rPr lang="en-US" smtClean="0"/>
-              <a:t>8/22/25</a:t>
+              <a:t>9/3/25</a:t>
             </a:fld>
             <a:endParaRPr lang="en-US"/>
           </a:p>
@@ -2045,7 +2045,7 @@
             <a:fld id="{48A87A34-81AB-432B-8DAE-1953F412C126}" type="datetimeFigureOut">
               <a:rPr lang="en-US" dirty="0"/>
               <a:pPr/>
-              <a:t>8/22/25</a:t>
+              <a:t>9/3/25</a:t>
             </a:fld>
             <a:endParaRPr lang="en-US" dirty="0"/>
           </a:p>
@@ -3499,7 +3499,7 @@
           <a:p>
             <a:fld id="{48A87A34-81AB-432B-8DAE-1953F412C126}" type="datetimeFigureOut">
               <a:rPr lang="en-US" dirty="0"/>
-              <a:t>8/22/25</a:t>
+              <a:t>9/3/25</a:t>
             </a:fld>
             <a:endParaRPr lang="en-US" dirty="0"/>
           </a:p>
@@ -4947,7 +4947,7 @@
           <a:p>
             <a:fld id="{48A87A34-81AB-432B-8DAE-1953F412C126}" type="datetimeFigureOut">
               <a:rPr lang="en-US" dirty="0"/>
-              <a:t>8/22/25</a:t>
+              <a:t>9/3/25</a:t>
             </a:fld>
             <a:endParaRPr lang="en-US" dirty="0"/>
           </a:p>
@@ -6397,7 +6397,7 @@
           <a:p>
             <a:fld id="{48A87A34-81AB-432B-8DAE-1953F412C126}" type="datetimeFigureOut">
               <a:rPr lang="en-US" dirty="0"/>
-              <a:t>8/22/25</a:t>
+              <a:t>9/3/25</a:t>
             </a:fld>
             <a:endParaRPr lang="en-US" dirty="0"/>
           </a:p>
@@ -7900,7 +7900,7 @@
           <a:p>
             <a:fld id="{48A87A34-81AB-432B-8DAE-1953F412C126}" type="datetimeFigureOut">
               <a:rPr lang="en-US" dirty="0"/>
-              <a:t>8/22/25</a:t>
+              <a:t>9/3/25</a:t>
             </a:fld>
             <a:endParaRPr lang="en-US" dirty="0"/>
           </a:p>
@@ -9416,7 +9416,7 @@
           <a:p>
             <a:fld id="{48A87A34-81AB-432B-8DAE-1953F412C126}" type="datetimeFigureOut">
               <a:rPr lang="en-US" dirty="0"/>
-              <a:t>8/22/25</a:t>
+              <a:t>9/3/25</a:t>
             </a:fld>
             <a:endParaRPr lang="en-US" dirty="0"/>
           </a:p>
@@ -11076,7 +11076,7 @@
           <a:p>
             <a:fld id="{48A87A34-81AB-432B-8DAE-1953F412C126}" type="datetimeFigureOut">
               <a:rPr lang="en-US" dirty="0"/>
-              <a:t>8/22/25</a:t>
+              <a:t>9/3/25</a:t>
             </a:fld>
             <a:endParaRPr lang="en-US" dirty="0"/>
           </a:p>
@@ -12469,7 +12469,7 @@
           <a:p>
             <a:fld id="{48A87A34-81AB-432B-8DAE-1953F412C126}" type="datetimeFigureOut">
               <a:rPr lang="en-US" dirty="0"/>
-              <a:t>8/22/25</a:t>
+              <a:t>9/3/25</a:t>
             </a:fld>
             <a:endParaRPr lang="en-US" dirty="0"/>
           </a:p>
@@ -12564,7 +12564,7 @@
           <a:p>
             <a:fld id="{48A87A34-81AB-432B-8DAE-1953F412C126}" type="datetimeFigureOut">
               <a:rPr lang="en-US" dirty="0"/>
-              <a:t>8/22/25</a:t>
+              <a:t>9/3/25</a:t>
             </a:fld>
             <a:endParaRPr lang="en-US" dirty="0"/>
           </a:p>
@@ -14085,7 +14085,7 @@
           <a:p>
             <a:fld id="{48A87A34-81AB-432B-8DAE-1953F412C126}" type="datetimeFigureOut">
               <a:rPr lang="en-US" dirty="0"/>
-              <a:t>8/22/25</a:t>
+              <a:t>9/3/25</a:t>
             </a:fld>
             <a:endParaRPr lang="en-US" dirty="0"/>
           </a:p>
@@ -15616,7 +15616,7 @@
           <a:p>
             <a:fld id="{48A87A34-81AB-432B-8DAE-1953F412C126}" type="datetimeFigureOut">
               <a:rPr lang="en-US" dirty="0"/>
-              <a:t>8/22/25</a:t>
+              <a:t>9/3/25</a:t>
             </a:fld>
             <a:endParaRPr lang="en-US" dirty="0"/>
           </a:p>
@@ -15835,7 +15835,7 @@
             <a:fld id="{48A87A34-81AB-432B-8DAE-1953F412C126}" type="datetimeFigureOut">
               <a:rPr lang="en-US" dirty="0"/>
               <a:pPr/>
-              <a:t>8/22/25</a:t>
+              <a:t>9/3/25</a:t>
             </a:fld>
             <a:endParaRPr lang="en-US" dirty="0"/>
           </a:p>
@@ -16300,20 +16300,16 @@
         </p:nvSpPr>
         <p:spPr/>
         <p:txBody>
-          <a:bodyPr/>
+          <a:bodyPr>
+            <a:normAutofit/>
+          </a:bodyPr>
           <a:lstStyle/>
           <a:p>
             <a:r>
               <a:rPr lang="en-US" dirty="0"/>
-              <a:t>CS579 – Social Network</a:t>
+              <a:t>CS579 – Social network attributes</a:t>
             </a:r>
-            <a:br>
-              <a:rPr lang="en-US" dirty="0"/>
-            </a:br>
-            <a:r>
-              <a:rPr lang="en-US" sz="4000" dirty="0"/>
-              <a:t>Social network attributes</a:t>
-            </a:r>
+            <a:endParaRPr lang="en-US" sz="4000" dirty="0"/>
           </a:p>
         </p:txBody>
       </p:sp>
@@ -16340,7 +16336,7 @@
           <a:p>
             <a:r>
               <a:rPr lang="en-US" dirty="0"/>
-              <a:t>Hendra Wijaya A20529195</a:t>
+              <a:t>Hendra Wijaya (A20529195)</a:t>
             </a:r>
           </a:p>
         </p:txBody>
